--- a/宣道詩/(宣道詩277)樂哉主臨.pptx
+++ b/宣道詩/(宣道詩277)樂哉主臨.pptx
@@ -292,7 +292,7 @@
             <a:fld id="{F9AA1901-98BA-417C-9055-632AEBF87FEE}" type="datetimeFigureOut">
               <a:rPr lang="zh-TW" altLang="en-US" smtClean="0"/>
               <a:pPr/>
-              <a:t>2019/12/21</a:t>
+              <a:t>2021/12/16</a:t>
             </a:fld>
             <a:endParaRPr lang="zh-TW" altLang="en-US"/>
           </a:p>
@@ -459,7 +459,7 @@
             <a:fld id="{F9AA1901-98BA-417C-9055-632AEBF87FEE}" type="datetimeFigureOut">
               <a:rPr lang="zh-TW" altLang="en-US" smtClean="0"/>
               <a:pPr/>
-              <a:t>2019/12/21</a:t>
+              <a:t>2021/12/16</a:t>
             </a:fld>
             <a:endParaRPr lang="zh-TW" altLang="en-US"/>
           </a:p>
@@ -636,7 +636,7 @@
             <a:fld id="{F9AA1901-98BA-417C-9055-632AEBF87FEE}" type="datetimeFigureOut">
               <a:rPr lang="zh-TW" altLang="en-US" smtClean="0"/>
               <a:pPr/>
-              <a:t>2019/12/21</a:t>
+              <a:t>2021/12/16</a:t>
             </a:fld>
             <a:endParaRPr lang="zh-TW" altLang="en-US"/>
           </a:p>
@@ -803,7 +803,7 @@
             <a:fld id="{F9AA1901-98BA-417C-9055-632AEBF87FEE}" type="datetimeFigureOut">
               <a:rPr lang="zh-TW" altLang="en-US" smtClean="0"/>
               <a:pPr/>
-              <a:t>2019/12/21</a:t>
+              <a:t>2021/12/16</a:t>
             </a:fld>
             <a:endParaRPr lang="zh-TW" altLang="en-US"/>
           </a:p>
@@ -1046,7 +1046,7 @@
             <a:fld id="{F9AA1901-98BA-417C-9055-632AEBF87FEE}" type="datetimeFigureOut">
               <a:rPr lang="zh-TW" altLang="en-US" smtClean="0"/>
               <a:pPr/>
-              <a:t>2019/12/21</a:t>
+              <a:t>2021/12/16</a:t>
             </a:fld>
             <a:endParaRPr lang="zh-TW" altLang="en-US"/>
           </a:p>
@@ -1331,7 +1331,7 @@
             <a:fld id="{F9AA1901-98BA-417C-9055-632AEBF87FEE}" type="datetimeFigureOut">
               <a:rPr lang="zh-TW" altLang="en-US" smtClean="0"/>
               <a:pPr/>
-              <a:t>2019/12/21</a:t>
+              <a:t>2021/12/16</a:t>
             </a:fld>
             <a:endParaRPr lang="zh-TW" altLang="en-US"/>
           </a:p>
@@ -1750,7 +1750,7 @@
             <a:fld id="{F9AA1901-98BA-417C-9055-632AEBF87FEE}" type="datetimeFigureOut">
               <a:rPr lang="zh-TW" altLang="en-US" smtClean="0"/>
               <a:pPr/>
-              <a:t>2019/12/21</a:t>
+              <a:t>2021/12/16</a:t>
             </a:fld>
             <a:endParaRPr lang="zh-TW" altLang="en-US"/>
           </a:p>
@@ -1865,7 +1865,7 @@
             <a:fld id="{F9AA1901-98BA-417C-9055-632AEBF87FEE}" type="datetimeFigureOut">
               <a:rPr lang="zh-TW" altLang="en-US" smtClean="0"/>
               <a:pPr/>
-              <a:t>2019/12/21</a:t>
+              <a:t>2021/12/16</a:t>
             </a:fld>
             <a:endParaRPr lang="zh-TW" altLang="en-US"/>
           </a:p>
@@ -1957,7 +1957,7 @@
             <a:fld id="{F9AA1901-98BA-417C-9055-632AEBF87FEE}" type="datetimeFigureOut">
               <a:rPr lang="zh-TW" altLang="en-US" smtClean="0"/>
               <a:pPr/>
-              <a:t>2019/12/21</a:t>
+              <a:t>2021/12/16</a:t>
             </a:fld>
             <a:endParaRPr lang="zh-TW" altLang="en-US"/>
           </a:p>
@@ -2231,7 +2231,7 @@
             <a:fld id="{F9AA1901-98BA-417C-9055-632AEBF87FEE}" type="datetimeFigureOut">
               <a:rPr lang="zh-TW" altLang="en-US" smtClean="0"/>
               <a:pPr/>
-              <a:t>2019/12/21</a:t>
+              <a:t>2021/12/16</a:t>
             </a:fld>
             <a:endParaRPr lang="zh-TW" altLang="en-US"/>
           </a:p>
@@ -2485,7 +2485,7 @@
             <a:fld id="{F9AA1901-98BA-417C-9055-632AEBF87FEE}" type="datetimeFigureOut">
               <a:rPr lang="zh-TW" altLang="en-US" smtClean="0"/>
               <a:pPr/>
-              <a:t>2019/12/21</a:t>
+              <a:t>2021/12/16</a:t>
             </a:fld>
             <a:endParaRPr lang="zh-TW" altLang="en-US"/>
           </a:p>
@@ -2700,7 +2700,7 @@
             <a:fld id="{F9AA1901-98BA-417C-9055-632AEBF87FEE}" type="datetimeFigureOut">
               <a:rPr lang="zh-TW" altLang="en-US" smtClean="0"/>
               <a:pPr/>
-              <a:t>2019/12/21</a:t>
+              <a:t>2021/12/16</a:t>
             </a:fld>
             <a:endParaRPr lang="zh-TW" altLang="en-US"/>
           </a:p>
@@ -3125,7 +3125,7 @@
               <a:buNone/>
             </a:pPr>
             <a:r>
-              <a:rPr lang="zh-TW" altLang="en-US" sz="5400" b="1" dirty="0">
+              <a:rPr lang="zh-TW" altLang="en-US" sz="4400" b="1" dirty="0">
                 <a:solidFill>
                   <a:srgbClr val="000066"/>
                 </a:solidFill>
@@ -3140,7 +3140,7 @@
               <a:buNone/>
             </a:pPr>
             <a:r>
-              <a:rPr lang="zh-TW" altLang="en-US" sz="5400" b="1" dirty="0">
+              <a:rPr lang="zh-TW" altLang="en-US" sz="4400" b="1" dirty="0">
                 <a:solidFill>
                   <a:srgbClr val="000066"/>
                 </a:solidFill>
@@ -3155,7 +3155,7 @@
               <a:buNone/>
             </a:pPr>
             <a:r>
-              <a:rPr lang="zh-TW" altLang="en-US" sz="5400" b="1" dirty="0">
+              <a:rPr lang="zh-TW" altLang="en-US" sz="4400" b="1" dirty="0">
                 <a:solidFill>
                   <a:srgbClr val="000066"/>
                 </a:solidFill>
@@ -3170,7 +3170,7 @@
               <a:buNone/>
             </a:pPr>
             <a:r>
-              <a:rPr lang="zh-TW" altLang="en-US" sz="5400" b="1" dirty="0">
+              <a:rPr lang="zh-TW" altLang="en-US" sz="4400" b="1" dirty="0">
                 <a:solidFill>
                   <a:srgbClr val="000066"/>
                 </a:solidFill>
@@ -3180,7 +3180,7 @@
               <a:t>宇宙萬物</a:t>
             </a:r>
             <a:r>
-              <a:rPr lang="zh-TW" altLang="en-US" sz="5400" b="1" dirty="0" smtClean="0">
+              <a:rPr lang="zh-TW" altLang="en-US" sz="4400" b="1" dirty="0" smtClean="0">
                 <a:solidFill>
                   <a:srgbClr val="000066"/>
                 </a:solidFill>
@@ -3190,7 +3190,7 @@
               <a:t>頌揚  宇宙</a:t>
             </a:r>
             <a:r>
-              <a:rPr lang="zh-TW" altLang="en-US" sz="5400" b="1" dirty="0">
+              <a:rPr lang="zh-TW" altLang="en-US" sz="4400" b="1" dirty="0">
                 <a:solidFill>
                   <a:srgbClr val="000066"/>
                 </a:solidFill>
@@ -3205,7 +3205,7 @@
               <a:buNone/>
             </a:pPr>
             <a:r>
-              <a:rPr lang="zh-TW" altLang="en-US" sz="5400" b="1" dirty="0">
+              <a:rPr lang="zh-TW" altLang="en-US" sz="4400" b="1" dirty="0">
                 <a:solidFill>
                   <a:srgbClr val="000066"/>
                 </a:solidFill>
@@ -3303,7 +3303,7 @@
               <a:buNone/>
             </a:pPr>
             <a:r>
-              <a:rPr lang="zh-TW" altLang="en-US" sz="5400" b="1" dirty="0">
+              <a:rPr lang="zh-TW" altLang="en-US" sz="4400" b="1" dirty="0">
                 <a:solidFill>
                   <a:srgbClr val="000066"/>
                 </a:solidFill>
@@ -3318,7 +3318,7 @@
               <a:buNone/>
             </a:pPr>
             <a:r>
-              <a:rPr lang="zh-TW" altLang="en-US" sz="5400" b="1" dirty="0">
+              <a:rPr lang="zh-TW" altLang="en-US" sz="4400" b="1" dirty="0">
                 <a:solidFill>
                   <a:srgbClr val="000066"/>
                 </a:solidFill>
@@ -3333,7 +3333,7 @@
               <a:buNone/>
             </a:pPr>
             <a:r>
-              <a:rPr lang="zh-TW" altLang="en-US" sz="5400" b="1" dirty="0">
+              <a:rPr lang="zh-TW" altLang="en-US" sz="4400" b="1" dirty="0">
                 <a:solidFill>
                   <a:srgbClr val="000066"/>
                 </a:solidFill>
@@ -3348,7 +3348,7 @@
               <a:buNone/>
             </a:pPr>
             <a:r>
-              <a:rPr lang="zh-TW" altLang="en-US" sz="5400" b="1" dirty="0">
+              <a:rPr lang="zh-TW" altLang="en-US" sz="4400" b="1" dirty="0">
                 <a:solidFill>
                   <a:srgbClr val="000066"/>
                 </a:solidFill>
@@ -3358,7 +3358,7 @@
               <a:t>喜音環繞</a:t>
             </a:r>
             <a:r>
-              <a:rPr lang="zh-TW" altLang="en-US" sz="5400" b="1" dirty="0" smtClean="0">
+              <a:rPr lang="zh-TW" altLang="en-US" sz="4400" b="1" dirty="0" smtClean="0">
                 <a:solidFill>
                   <a:srgbClr val="000066"/>
                 </a:solidFill>
@@ -3368,7 +3368,7 @@
               <a:t>不休  喜</a:t>
             </a:r>
             <a:r>
-              <a:rPr lang="zh-TW" altLang="en-US" sz="5400" b="1" dirty="0">
+              <a:rPr lang="zh-TW" altLang="en-US" sz="4400" b="1" dirty="0">
                 <a:solidFill>
                   <a:srgbClr val="000066"/>
                 </a:solidFill>
@@ -3383,7 +3383,7 @@
               <a:buNone/>
             </a:pPr>
             <a:r>
-              <a:rPr lang="zh-TW" altLang="en-US" sz="5400" b="1" dirty="0">
+              <a:rPr lang="zh-TW" altLang="en-US" sz="4400" b="1" dirty="0">
                 <a:solidFill>
                   <a:srgbClr val="000066"/>
                 </a:solidFill>
@@ -3481,7 +3481,7 @@
               <a:buNone/>
             </a:pPr>
             <a:r>
-              <a:rPr lang="zh-TW" altLang="en-US" sz="5400" b="1" dirty="0">
+              <a:rPr lang="zh-TW" altLang="en-US" sz="4400" b="1" dirty="0">
                 <a:solidFill>
                   <a:srgbClr val="000066"/>
                 </a:solidFill>
@@ -3496,7 +3496,7 @@
               <a:buNone/>
             </a:pPr>
             <a:r>
-              <a:rPr lang="zh-TW" altLang="en-US" sz="5400" b="1" dirty="0">
+              <a:rPr lang="zh-TW" altLang="en-US" sz="4400" b="1" dirty="0">
                 <a:solidFill>
                   <a:srgbClr val="000066"/>
                 </a:solidFill>
@@ -3511,7 +3511,7 @@
               <a:buNone/>
             </a:pPr>
             <a:r>
-              <a:rPr lang="zh-TW" altLang="en-US" sz="5400" b="1" dirty="0">
+              <a:rPr lang="zh-TW" altLang="en-US" sz="4400" b="1" dirty="0">
                 <a:solidFill>
                   <a:srgbClr val="000066"/>
                 </a:solidFill>
@@ -3526,7 +3526,7 @@
               <a:buNone/>
             </a:pPr>
             <a:r>
-              <a:rPr lang="zh-TW" altLang="en-US" sz="5400" b="1" dirty="0">
+              <a:rPr lang="zh-TW" altLang="en-US" sz="4400" b="1" dirty="0">
                 <a:solidFill>
                   <a:srgbClr val="000066"/>
                 </a:solidFill>
@@ -3536,7 +3536,7 @@
               <a:t>主臨賜福</a:t>
             </a:r>
             <a:r>
-              <a:rPr lang="zh-TW" altLang="en-US" sz="5400" b="1" dirty="0" smtClean="0">
+              <a:rPr lang="zh-TW" altLang="en-US" sz="4400" b="1" dirty="0" smtClean="0">
                 <a:solidFill>
                   <a:srgbClr val="000066"/>
                 </a:solidFill>
@@ -3546,7 +3546,7 @@
               <a:t>豐盈  主</a:t>
             </a:r>
             <a:r>
-              <a:rPr lang="zh-TW" altLang="en-US" sz="5400" b="1" dirty="0">
+              <a:rPr lang="zh-TW" altLang="en-US" sz="4400" b="1" dirty="0">
                 <a:solidFill>
                   <a:srgbClr val="000066"/>
                 </a:solidFill>
@@ -3561,7 +3561,7 @@
               <a:buNone/>
             </a:pPr>
             <a:r>
-              <a:rPr lang="zh-TW" altLang="en-US" sz="5400" b="1" dirty="0">
+              <a:rPr lang="zh-TW" altLang="en-US" sz="4400" b="1" dirty="0">
                 <a:solidFill>
                   <a:srgbClr val="000066"/>
                 </a:solidFill>
@@ -3659,7 +3659,7 @@
               <a:buNone/>
             </a:pPr>
             <a:r>
-              <a:rPr lang="zh-TW" altLang="en-US" sz="5400" b="1" dirty="0">
+              <a:rPr lang="zh-TW" altLang="en-US" sz="4400" b="1" dirty="0">
                 <a:solidFill>
                   <a:srgbClr val="000066"/>
                 </a:solidFill>
@@ -3674,7 +3674,7 @@
               <a:buNone/>
             </a:pPr>
             <a:r>
-              <a:rPr lang="zh-TW" altLang="en-US" sz="5400" b="1" dirty="0">
+              <a:rPr lang="zh-TW" altLang="en-US" sz="4400" b="1" dirty="0">
                 <a:solidFill>
                   <a:srgbClr val="000066"/>
                 </a:solidFill>
@@ -3689,7 +3689,7 @@
               <a:buNone/>
             </a:pPr>
             <a:r>
-              <a:rPr lang="zh-TW" altLang="en-US" sz="5400" b="1" dirty="0">
+              <a:rPr lang="zh-TW" altLang="en-US" sz="4400" b="1" dirty="0">
                 <a:solidFill>
                   <a:srgbClr val="000066"/>
                 </a:solidFill>
@@ -3704,7 +3704,7 @@
               <a:buNone/>
             </a:pPr>
             <a:r>
-              <a:rPr lang="zh-TW" altLang="en-US" sz="5400" b="1" dirty="0">
+              <a:rPr lang="zh-TW" altLang="en-US" sz="4400" b="1" dirty="0">
                 <a:solidFill>
                   <a:srgbClr val="000066"/>
                 </a:solidFill>
@@ -3714,7 +3714,7 @@
               <a:t>慈愛何等深</a:t>
             </a:r>
             <a:r>
-              <a:rPr lang="zh-TW" altLang="en-US" sz="5400" b="1" dirty="0" smtClean="0">
+              <a:rPr lang="zh-TW" altLang="en-US" sz="4400" b="1" dirty="0" smtClean="0">
                 <a:solidFill>
                   <a:srgbClr val="000066"/>
                 </a:solidFill>
@@ -3724,7 +3724,7 @@
               <a:t>純  慈愛</a:t>
             </a:r>
             <a:r>
-              <a:rPr lang="zh-TW" altLang="en-US" sz="5400" b="1" dirty="0">
+              <a:rPr lang="zh-TW" altLang="en-US" sz="4400" b="1" dirty="0">
                 <a:solidFill>
                   <a:srgbClr val="000066"/>
                 </a:solidFill>
@@ -3739,7 +3739,7 @@
               <a:buNone/>
             </a:pPr>
             <a:r>
-              <a:rPr lang="zh-TW" altLang="en-US" sz="5400" b="1" dirty="0">
+              <a:rPr lang="zh-TW" altLang="en-US" sz="4400" b="1" dirty="0">
                 <a:solidFill>
                   <a:srgbClr val="000066"/>
                 </a:solidFill>

--- a/宣道詩/(宣道詩277)樂哉主臨.pptx
+++ b/宣道詩/(宣道詩277)樂哉主臨.pptx
@@ -6,9 +6,13 @@
   </p:sldMasterIdLst>
   <p:sldIdLst>
     <p:sldId id="256" r:id="rId2"/>
-    <p:sldId id="257" r:id="rId3"/>
-    <p:sldId id="258" r:id="rId4"/>
-    <p:sldId id="259" r:id="rId5"/>
+    <p:sldId id="260" r:id="rId3"/>
+    <p:sldId id="261" r:id="rId4"/>
+    <p:sldId id="257" r:id="rId5"/>
+    <p:sldId id="258" r:id="rId6"/>
+    <p:sldId id="262" r:id="rId7"/>
+    <p:sldId id="259" r:id="rId8"/>
+    <p:sldId id="263" r:id="rId9"/>
   </p:sldIdLst>
   <p:sldSz cx="9144000" cy="5143500" type="screen16x9"/>
   <p:notesSz cx="6858000" cy="9144000"/>
@@ -292,7 +296,7 @@
             <a:fld id="{F9AA1901-98BA-417C-9055-632AEBF87FEE}" type="datetimeFigureOut">
               <a:rPr lang="zh-TW" altLang="en-US" smtClean="0"/>
               <a:pPr/>
-              <a:t>2019/12/21</a:t>
+              <a:t>2022/12/8</a:t>
             </a:fld>
             <a:endParaRPr lang="zh-TW" altLang="en-US"/>
           </a:p>
@@ -459,7 +463,7 @@
             <a:fld id="{F9AA1901-98BA-417C-9055-632AEBF87FEE}" type="datetimeFigureOut">
               <a:rPr lang="zh-TW" altLang="en-US" smtClean="0"/>
               <a:pPr/>
-              <a:t>2019/12/21</a:t>
+              <a:t>2022/12/8</a:t>
             </a:fld>
             <a:endParaRPr lang="zh-TW" altLang="en-US"/>
           </a:p>
@@ -636,7 +640,7 @@
             <a:fld id="{F9AA1901-98BA-417C-9055-632AEBF87FEE}" type="datetimeFigureOut">
               <a:rPr lang="zh-TW" altLang="en-US" smtClean="0"/>
               <a:pPr/>
-              <a:t>2019/12/21</a:t>
+              <a:t>2022/12/8</a:t>
             </a:fld>
             <a:endParaRPr lang="zh-TW" altLang="en-US"/>
           </a:p>
@@ -803,7 +807,7 @@
             <a:fld id="{F9AA1901-98BA-417C-9055-632AEBF87FEE}" type="datetimeFigureOut">
               <a:rPr lang="zh-TW" altLang="en-US" smtClean="0"/>
               <a:pPr/>
-              <a:t>2019/12/21</a:t>
+              <a:t>2022/12/8</a:t>
             </a:fld>
             <a:endParaRPr lang="zh-TW" altLang="en-US"/>
           </a:p>
@@ -1046,7 +1050,7 @@
             <a:fld id="{F9AA1901-98BA-417C-9055-632AEBF87FEE}" type="datetimeFigureOut">
               <a:rPr lang="zh-TW" altLang="en-US" smtClean="0"/>
               <a:pPr/>
-              <a:t>2019/12/21</a:t>
+              <a:t>2022/12/8</a:t>
             </a:fld>
             <a:endParaRPr lang="zh-TW" altLang="en-US"/>
           </a:p>
@@ -1331,7 +1335,7 @@
             <a:fld id="{F9AA1901-98BA-417C-9055-632AEBF87FEE}" type="datetimeFigureOut">
               <a:rPr lang="zh-TW" altLang="en-US" smtClean="0"/>
               <a:pPr/>
-              <a:t>2019/12/21</a:t>
+              <a:t>2022/12/8</a:t>
             </a:fld>
             <a:endParaRPr lang="zh-TW" altLang="en-US"/>
           </a:p>
@@ -1750,7 +1754,7 @@
             <a:fld id="{F9AA1901-98BA-417C-9055-632AEBF87FEE}" type="datetimeFigureOut">
               <a:rPr lang="zh-TW" altLang="en-US" smtClean="0"/>
               <a:pPr/>
-              <a:t>2019/12/21</a:t>
+              <a:t>2022/12/8</a:t>
             </a:fld>
             <a:endParaRPr lang="zh-TW" altLang="en-US"/>
           </a:p>
@@ -1865,7 +1869,7 @@
             <a:fld id="{F9AA1901-98BA-417C-9055-632AEBF87FEE}" type="datetimeFigureOut">
               <a:rPr lang="zh-TW" altLang="en-US" smtClean="0"/>
               <a:pPr/>
-              <a:t>2019/12/21</a:t>
+              <a:t>2022/12/8</a:t>
             </a:fld>
             <a:endParaRPr lang="zh-TW" altLang="en-US"/>
           </a:p>
@@ -1957,7 +1961,7 @@
             <a:fld id="{F9AA1901-98BA-417C-9055-632AEBF87FEE}" type="datetimeFigureOut">
               <a:rPr lang="zh-TW" altLang="en-US" smtClean="0"/>
               <a:pPr/>
-              <a:t>2019/12/21</a:t>
+              <a:t>2022/12/8</a:t>
             </a:fld>
             <a:endParaRPr lang="zh-TW" altLang="en-US"/>
           </a:p>
@@ -2231,7 +2235,7 @@
             <a:fld id="{F9AA1901-98BA-417C-9055-632AEBF87FEE}" type="datetimeFigureOut">
               <a:rPr lang="zh-TW" altLang="en-US" smtClean="0"/>
               <a:pPr/>
-              <a:t>2019/12/21</a:t>
+              <a:t>2022/12/8</a:t>
             </a:fld>
             <a:endParaRPr lang="zh-TW" altLang="en-US"/>
           </a:p>
@@ -2485,7 +2489,7 @@
             <a:fld id="{F9AA1901-98BA-417C-9055-632AEBF87FEE}" type="datetimeFigureOut">
               <a:rPr lang="zh-TW" altLang="en-US" smtClean="0"/>
               <a:pPr/>
-              <a:t>2019/12/21</a:t>
+              <a:t>2022/12/8</a:t>
             </a:fld>
             <a:endParaRPr lang="zh-TW" altLang="en-US"/>
           </a:p>
@@ -2700,7 +2704,7 @@
             <a:fld id="{F9AA1901-98BA-417C-9055-632AEBF87FEE}" type="datetimeFigureOut">
               <a:rPr lang="zh-TW" altLang="en-US" smtClean="0"/>
               <a:pPr/>
-              <a:t>2019/12/21</a:t>
+              <a:t>2022/12/8</a:t>
             </a:fld>
             <a:endParaRPr lang="zh-TW" altLang="en-US"/>
           </a:p>
@@ -3094,8 +3098,35 @@
                 <a:latin typeface="微軟正黑體" pitchFamily="34" charset="-120"/>
                 <a:ea typeface="微軟正黑體" pitchFamily="34" charset="-120"/>
               </a:rPr>
-              <a:t>樂哉主臨</a:t>
-            </a:r>
+              <a:t>樂哉主</a:t>
+            </a:r>
+            <a:r>
+              <a:rPr lang="zh-TW" altLang="en-US" b="1" dirty="0" smtClean="0">
+                <a:solidFill>
+                  <a:srgbClr val="000066"/>
+                </a:solidFill>
+                <a:latin typeface="微軟正黑體" pitchFamily="34" charset="-120"/>
+                <a:ea typeface="微軟正黑體" pitchFamily="34" charset="-120"/>
+              </a:rPr>
+              <a:t>臨 </a:t>
+            </a:r>
+            <a:r>
+              <a:rPr lang="en-US" altLang="zh-TW" b="1" dirty="0" smtClean="0">
+                <a:solidFill>
+                  <a:srgbClr val="000066"/>
+                </a:solidFill>
+                <a:latin typeface="微軟正黑體" pitchFamily="34" charset="-120"/>
+                <a:ea typeface="微軟正黑體" pitchFamily="34" charset="-120"/>
+              </a:rPr>
+              <a:t>1-4</a:t>
+            </a:r>
+            <a:endParaRPr lang="zh-TW" altLang="en-US" b="1" dirty="0">
+              <a:solidFill>
+                <a:srgbClr val="000066"/>
+              </a:solidFill>
+              <a:latin typeface="微軟正黑體" pitchFamily="34" charset="-120"/>
+              <a:ea typeface="微軟正黑體" pitchFamily="34" charset="-120"/>
+            </a:endParaRPr>
           </a:p>
         </p:txBody>
       </p:sp>
@@ -3162,22 +3193,7 @@
                 <a:latin typeface="微軟正黑體" pitchFamily="34" charset="-120"/>
                 <a:ea typeface="微軟正黑體" pitchFamily="34" charset="-120"/>
               </a:rPr>
-              <a:t>萬心為主 預備所在</a:t>
-            </a:r>
-          </a:p>
-          <a:p>
-            <a:pPr marL="0" indent="0" algn="ctr">
-              <a:buNone/>
-            </a:pPr>
-            <a:r>
-              <a:rPr lang="zh-TW" altLang="en-US" sz="5400" b="1" dirty="0">
-                <a:solidFill>
-                  <a:srgbClr val="000066"/>
-                </a:solidFill>
-                <a:latin typeface="微軟正黑體" pitchFamily="34" charset="-120"/>
-                <a:ea typeface="微軟正黑體" pitchFamily="34" charset="-120"/>
-              </a:rPr>
-              <a:t>宇宙萬物</a:t>
+              <a:t>萬心為主 預備</a:t>
             </a:r>
             <a:r>
               <a:rPr lang="zh-TW" altLang="en-US" sz="5400" b="1" dirty="0" smtClean="0">
@@ -3187,33 +3203,15 @@
                 <a:latin typeface="微軟正黑體" pitchFamily="34" charset="-120"/>
                 <a:ea typeface="微軟正黑體" pitchFamily="34" charset="-120"/>
               </a:rPr>
-              <a:t>頌揚  宇宙</a:t>
-            </a:r>
-            <a:r>
-              <a:rPr lang="zh-TW" altLang="en-US" sz="5400" b="1" dirty="0">
-                <a:solidFill>
-                  <a:srgbClr val="000066"/>
-                </a:solidFill>
-                <a:latin typeface="微軟正黑體" pitchFamily="34" charset="-120"/>
-                <a:ea typeface="微軟正黑體" pitchFamily="34" charset="-120"/>
-              </a:rPr>
-              <a:t>萬物頌揚</a:t>
-            </a:r>
-          </a:p>
-          <a:p>
-            <a:pPr marL="0" indent="0" algn="ctr">
-              <a:buNone/>
-            </a:pPr>
-            <a:r>
-              <a:rPr lang="zh-TW" altLang="en-US" sz="5400" b="1" dirty="0">
-                <a:solidFill>
-                  <a:srgbClr val="000066"/>
-                </a:solidFill>
-                <a:latin typeface="微軟正黑體" pitchFamily="34" charset="-120"/>
-                <a:ea typeface="微軟正黑體" pitchFamily="34" charset="-120"/>
-              </a:rPr>
-              <a:t>宇宙 宇宙萬物頌揚</a:t>
-            </a:r>
+              <a:t>所在</a:t>
+            </a:r>
+            <a:endParaRPr lang="zh-TW" altLang="en-US" sz="5400" b="1" dirty="0">
+              <a:solidFill>
+                <a:srgbClr val="000066"/>
+              </a:solidFill>
+              <a:latin typeface="微軟正黑體" pitchFamily="34" charset="-120"/>
+              <a:ea typeface="微軟正黑體" pitchFamily="34" charset="-120"/>
+            </a:endParaRPr>
           </a:p>
         </p:txBody>
       </p:sp>
@@ -3272,8 +3270,35 @@
                 <a:latin typeface="微軟正黑體" pitchFamily="34" charset="-120"/>
                 <a:ea typeface="微軟正黑體" pitchFamily="34" charset="-120"/>
               </a:rPr>
-              <a:t>樂哉主臨</a:t>
-            </a:r>
+              <a:t>樂哉主</a:t>
+            </a:r>
+            <a:r>
+              <a:rPr lang="zh-TW" altLang="en-US" b="1" dirty="0" smtClean="0">
+                <a:solidFill>
+                  <a:srgbClr val="000066"/>
+                </a:solidFill>
+                <a:latin typeface="微軟正黑體" pitchFamily="34" charset="-120"/>
+                <a:ea typeface="微軟正黑體" pitchFamily="34" charset="-120"/>
+              </a:rPr>
+              <a:t>臨 </a:t>
+            </a:r>
+            <a:r>
+              <a:rPr lang="en-US" altLang="zh-TW" b="1" dirty="0" smtClean="0">
+                <a:solidFill>
+                  <a:srgbClr val="000066"/>
+                </a:solidFill>
+                <a:latin typeface="微軟正黑體" pitchFamily="34" charset="-120"/>
+                <a:ea typeface="微軟正黑體" pitchFamily="34" charset="-120"/>
+              </a:rPr>
+              <a:t>1-4</a:t>
+            </a:r>
+            <a:endParaRPr lang="zh-TW" altLang="en-US" b="1" dirty="0">
+              <a:solidFill>
+                <a:srgbClr val="000066"/>
+              </a:solidFill>
+              <a:latin typeface="微軟正黑體" pitchFamily="34" charset="-120"/>
+              <a:ea typeface="微軟正黑體" pitchFamily="34" charset="-120"/>
+            </a:endParaRPr>
           </a:p>
         </p:txBody>
       </p:sp>
@@ -3299,10 +3324,20 @@
           </a:bodyPr>
           <a:lstStyle/>
           <a:p>
-            <a:pPr marL="0" lvl="3" indent="0" algn="ctr">
+            <a:pPr marL="0" indent="0" algn="ctr">
               <a:buNone/>
             </a:pPr>
             <a:r>
+              <a:rPr lang="zh-TW" altLang="en-US" sz="5400" b="1" dirty="0" smtClean="0">
+                <a:solidFill>
+                  <a:srgbClr val="000066"/>
+                </a:solidFill>
+                <a:latin typeface="微軟正黑體" pitchFamily="34" charset="-120"/>
+                <a:ea typeface="微軟正黑體" pitchFamily="34" charset="-120"/>
+              </a:rPr>
+              <a:t>宇宙</a:t>
+            </a:r>
+            <a:r>
               <a:rPr lang="zh-TW" altLang="en-US" sz="5400" b="1" dirty="0">
                 <a:solidFill>
                   <a:srgbClr val="000066"/>
@@ -3310,7 +3345,27 @@
                 <a:latin typeface="微軟正黑體" pitchFamily="34" charset="-120"/>
                 <a:ea typeface="微軟正黑體" pitchFamily="34" charset="-120"/>
               </a:rPr>
-              <a:t>樂哉大地 救主統領</a:t>
+              <a:t>萬物</a:t>
+            </a:r>
+            <a:r>
+              <a:rPr lang="zh-TW" altLang="en-US" sz="5400" b="1" dirty="0" smtClean="0">
+                <a:solidFill>
+                  <a:srgbClr val="000066"/>
+                </a:solidFill>
+                <a:latin typeface="微軟正黑體" pitchFamily="34" charset="-120"/>
+                <a:ea typeface="微軟正黑體" pitchFamily="34" charset="-120"/>
+              </a:rPr>
+              <a:t>頌揚  宇宙</a:t>
+            </a:r>
+            <a:r>
+              <a:rPr lang="zh-TW" altLang="en-US" sz="5400" b="1" dirty="0">
+                <a:solidFill>
+                  <a:srgbClr val="000066"/>
+                </a:solidFill>
+                <a:latin typeface="微軟正黑體" pitchFamily="34" charset="-120"/>
+                <a:ea typeface="微軟正黑體" pitchFamily="34" charset="-120"/>
+              </a:rPr>
+              <a:t>萬物頌揚</a:t>
             </a:r>
           </a:p>
           <a:p>
@@ -3325,72 +3380,7 @@
                 <a:latin typeface="微軟正黑體" pitchFamily="34" charset="-120"/>
                 <a:ea typeface="微軟正黑體" pitchFamily="34" charset="-120"/>
               </a:rPr>
-              <a:t>世人都當歌謳</a:t>
-            </a:r>
-          </a:p>
-          <a:p>
-            <a:pPr marL="0" indent="0" algn="ctr">
-              <a:buNone/>
-            </a:pPr>
-            <a:r>
-              <a:rPr lang="zh-TW" altLang="en-US" sz="5400" b="1" dirty="0">
-                <a:solidFill>
-                  <a:srgbClr val="000066"/>
-                </a:solidFill>
-                <a:latin typeface="微軟正黑體" pitchFamily="34" charset="-120"/>
-                <a:ea typeface="微軟正黑體" pitchFamily="34" charset="-120"/>
-              </a:rPr>
-              <a:t>田野江河 平原山嶺</a:t>
-            </a:r>
-          </a:p>
-          <a:p>
-            <a:pPr marL="0" indent="0" algn="ctr">
-              <a:buNone/>
-            </a:pPr>
-            <a:r>
-              <a:rPr lang="zh-TW" altLang="en-US" sz="5400" b="1" dirty="0">
-                <a:solidFill>
-                  <a:srgbClr val="000066"/>
-                </a:solidFill>
-                <a:latin typeface="微軟正黑體" pitchFamily="34" charset="-120"/>
-                <a:ea typeface="微軟正黑體" pitchFamily="34" charset="-120"/>
-              </a:rPr>
-              <a:t>喜音環繞</a:t>
-            </a:r>
-            <a:r>
-              <a:rPr lang="zh-TW" altLang="en-US" sz="5400" b="1" dirty="0" smtClean="0">
-                <a:solidFill>
-                  <a:srgbClr val="000066"/>
-                </a:solidFill>
-                <a:latin typeface="微軟正黑體" pitchFamily="34" charset="-120"/>
-                <a:ea typeface="微軟正黑體" pitchFamily="34" charset="-120"/>
-              </a:rPr>
-              <a:t>不休  喜</a:t>
-            </a:r>
-            <a:r>
-              <a:rPr lang="zh-TW" altLang="en-US" sz="5400" b="1" dirty="0">
-                <a:solidFill>
-                  <a:srgbClr val="000066"/>
-                </a:solidFill>
-                <a:latin typeface="微軟正黑體" pitchFamily="34" charset="-120"/>
-                <a:ea typeface="微軟正黑體" pitchFamily="34" charset="-120"/>
-              </a:rPr>
-              <a:t>音環繞不休</a:t>
-            </a:r>
-          </a:p>
-          <a:p>
-            <a:pPr marL="0" indent="0" algn="ctr">
-              <a:buNone/>
-            </a:pPr>
-            <a:r>
-              <a:rPr lang="zh-TW" altLang="en-US" sz="5400" b="1" dirty="0">
-                <a:solidFill>
-                  <a:srgbClr val="000066"/>
-                </a:solidFill>
-                <a:latin typeface="微軟正黑體" pitchFamily="34" charset="-120"/>
-                <a:ea typeface="微軟正黑體" pitchFamily="34" charset="-120"/>
-              </a:rPr>
-              <a:t>喜音 喜音環繞不休</a:t>
+              <a:t>宇宙 宇宙萬物頌揚</a:t>
             </a:r>
           </a:p>
         </p:txBody>
@@ -3450,8 +3440,35 @@
                 <a:latin typeface="微軟正黑體" pitchFamily="34" charset="-120"/>
                 <a:ea typeface="微軟正黑體" pitchFamily="34" charset="-120"/>
               </a:rPr>
-              <a:t>樂哉主臨</a:t>
-            </a:r>
+              <a:t>樂哉主</a:t>
+            </a:r>
+            <a:r>
+              <a:rPr lang="zh-TW" altLang="en-US" b="1" dirty="0" smtClean="0">
+                <a:solidFill>
+                  <a:srgbClr val="000066"/>
+                </a:solidFill>
+                <a:latin typeface="微軟正黑體" pitchFamily="34" charset="-120"/>
+                <a:ea typeface="微軟正黑體" pitchFamily="34" charset="-120"/>
+              </a:rPr>
+              <a:t>臨 </a:t>
+            </a:r>
+            <a:r>
+              <a:rPr lang="en-US" altLang="zh-TW" b="1" dirty="0" smtClean="0">
+                <a:solidFill>
+                  <a:srgbClr val="000066"/>
+                </a:solidFill>
+                <a:latin typeface="微軟正黑體" pitchFamily="34" charset="-120"/>
+                <a:ea typeface="微軟正黑體" pitchFamily="34" charset="-120"/>
+              </a:rPr>
+              <a:t>2-4</a:t>
+            </a:r>
+            <a:endParaRPr lang="zh-TW" altLang="en-US" b="1" dirty="0">
+              <a:solidFill>
+                <a:srgbClr val="000066"/>
+              </a:solidFill>
+              <a:latin typeface="微軟正黑體" pitchFamily="34" charset="-120"/>
+              <a:ea typeface="微軟正黑體" pitchFamily="34" charset="-120"/>
+            </a:endParaRPr>
           </a:p>
         </p:txBody>
       </p:sp>
@@ -3488,7 +3505,7 @@
                 <a:latin typeface="微軟正黑體" pitchFamily="34" charset="-120"/>
                 <a:ea typeface="微軟正黑體" pitchFamily="34" charset="-120"/>
               </a:rPr>
-              <a:t>罪孽憂愁都當止息</a:t>
+              <a:t>樂哉大地 救主統領</a:t>
             </a:r>
           </a:p>
           <a:p>
@@ -3503,7 +3520,7 @@
                 <a:latin typeface="微軟正黑體" pitchFamily="34" charset="-120"/>
                 <a:ea typeface="微軟正黑體" pitchFamily="34" charset="-120"/>
               </a:rPr>
-              <a:t>無地再長荊棘</a:t>
+              <a:t>世人都當歌謳</a:t>
             </a:r>
           </a:p>
           <a:p>
@@ -3518,22 +3535,7 @@
                 <a:latin typeface="微軟正黑體" pitchFamily="34" charset="-120"/>
                 <a:ea typeface="微軟正黑體" pitchFamily="34" charset="-120"/>
               </a:rPr>
-              <a:t>基督未來 咒詛甚深</a:t>
-            </a:r>
-          </a:p>
-          <a:p>
-            <a:pPr marL="0" indent="0" algn="ctr">
-              <a:buNone/>
-            </a:pPr>
-            <a:r>
-              <a:rPr lang="zh-TW" altLang="en-US" sz="5400" b="1" dirty="0">
-                <a:solidFill>
-                  <a:srgbClr val="000066"/>
-                </a:solidFill>
-                <a:latin typeface="微軟正黑體" pitchFamily="34" charset="-120"/>
-                <a:ea typeface="微軟正黑體" pitchFamily="34" charset="-120"/>
-              </a:rPr>
-              <a:t>主臨賜福</a:t>
+              <a:t>田野江河 平原</a:t>
             </a:r>
             <a:r>
               <a:rPr lang="zh-TW" altLang="en-US" sz="5400" b="1" dirty="0" smtClean="0">
@@ -3543,33 +3545,15 @@
                 <a:latin typeface="微軟正黑體" pitchFamily="34" charset="-120"/>
                 <a:ea typeface="微軟正黑體" pitchFamily="34" charset="-120"/>
               </a:rPr>
-              <a:t>豐盈  主</a:t>
-            </a:r>
-            <a:r>
-              <a:rPr lang="zh-TW" altLang="en-US" sz="5400" b="1" dirty="0">
-                <a:solidFill>
-                  <a:srgbClr val="000066"/>
-                </a:solidFill>
-                <a:latin typeface="微軟正黑體" pitchFamily="34" charset="-120"/>
-                <a:ea typeface="微軟正黑體" pitchFamily="34" charset="-120"/>
-              </a:rPr>
-              <a:t>臨賜福豐盈</a:t>
-            </a:r>
-          </a:p>
-          <a:p>
-            <a:pPr marL="0" indent="0" algn="ctr">
-              <a:buNone/>
-            </a:pPr>
-            <a:r>
-              <a:rPr lang="zh-TW" altLang="en-US" sz="5400" b="1" dirty="0">
-                <a:solidFill>
-                  <a:srgbClr val="000066"/>
-                </a:solidFill>
-                <a:latin typeface="微軟正黑體" pitchFamily="34" charset="-120"/>
-                <a:ea typeface="微軟正黑體" pitchFamily="34" charset="-120"/>
-              </a:rPr>
-              <a:t>主臨 主臨賜福豐盈</a:t>
-            </a:r>
+              <a:t>山嶺</a:t>
+            </a:r>
+            <a:endParaRPr lang="zh-TW" altLang="en-US" sz="5400" b="1" dirty="0">
+              <a:solidFill>
+                <a:srgbClr val="000066"/>
+              </a:solidFill>
+              <a:latin typeface="微軟正黑體" pitchFamily="34" charset="-120"/>
+              <a:ea typeface="微軟正黑體" pitchFamily="34" charset="-120"/>
+            </a:endParaRPr>
           </a:p>
         </p:txBody>
       </p:sp>
@@ -3628,8 +3612,35 @@
                 <a:latin typeface="微軟正黑體" pitchFamily="34" charset="-120"/>
                 <a:ea typeface="微軟正黑體" pitchFamily="34" charset="-120"/>
               </a:rPr>
-              <a:t>樂哉主臨</a:t>
-            </a:r>
+              <a:t>樂哉主</a:t>
+            </a:r>
+            <a:r>
+              <a:rPr lang="zh-TW" altLang="en-US" b="1" dirty="0" smtClean="0">
+                <a:solidFill>
+                  <a:srgbClr val="000066"/>
+                </a:solidFill>
+                <a:latin typeface="微軟正黑體" pitchFamily="34" charset="-120"/>
+                <a:ea typeface="微軟正黑體" pitchFamily="34" charset="-120"/>
+              </a:rPr>
+              <a:t>臨 </a:t>
+            </a:r>
+            <a:r>
+              <a:rPr lang="en-US" altLang="zh-TW" b="1" dirty="0" smtClean="0">
+                <a:solidFill>
+                  <a:srgbClr val="000066"/>
+                </a:solidFill>
+                <a:latin typeface="微軟正黑體" pitchFamily="34" charset="-120"/>
+                <a:ea typeface="微軟正黑體" pitchFamily="34" charset="-120"/>
+              </a:rPr>
+              <a:t>2-4</a:t>
+            </a:r>
+            <a:endParaRPr lang="zh-TW" altLang="en-US" b="1" dirty="0">
+              <a:solidFill>
+                <a:srgbClr val="000066"/>
+              </a:solidFill>
+              <a:latin typeface="微軟正黑體" pitchFamily="34" charset="-120"/>
+              <a:ea typeface="微軟正黑體" pitchFamily="34" charset="-120"/>
+            </a:endParaRPr>
           </a:p>
         </p:txBody>
       </p:sp>
@@ -3655,6 +3666,176 @@
           </a:bodyPr>
           <a:lstStyle/>
           <a:p>
+            <a:pPr marL="0" indent="0" algn="ctr">
+              <a:buNone/>
+            </a:pPr>
+            <a:r>
+              <a:rPr lang="zh-TW" altLang="en-US" sz="5400" b="1" dirty="0" smtClean="0">
+                <a:solidFill>
+                  <a:srgbClr val="000066"/>
+                </a:solidFill>
+                <a:latin typeface="微軟正黑體" pitchFamily="34" charset="-120"/>
+                <a:ea typeface="微軟正黑體" pitchFamily="34" charset="-120"/>
+              </a:rPr>
+              <a:t>喜</a:t>
+            </a:r>
+            <a:r>
+              <a:rPr lang="zh-TW" altLang="en-US" sz="5400" b="1" dirty="0">
+                <a:solidFill>
+                  <a:srgbClr val="000066"/>
+                </a:solidFill>
+                <a:latin typeface="微軟正黑體" pitchFamily="34" charset="-120"/>
+                <a:ea typeface="微軟正黑體" pitchFamily="34" charset="-120"/>
+              </a:rPr>
+              <a:t>音環繞</a:t>
+            </a:r>
+            <a:r>
+              <a:rPr lang="zh-TW" altLang="en-US" sz="5400" b="1" dirty="0" smtClean="0">
+                <a:solidFill>
+                  <a:srgbClr val="000066"/>
+                </a:solidFill>
+                <a:latin typeface="微軟正黑體" pitchFamily="34" charset="-120"/>
+                <a:ea typeface="微軟正黑體" pitchFamily="34" charset="-120"/>
+              </a:rPr>
+              <a:t>不休  喜</a:t>
+            </a:r>
+            <a:r>
+              <a:rPr lang="zh-TW" altLang="en-US" sz="5400" b="1" dirty="0">
+                <a:solidFill>
+                  <a:srgbClr val="000066"/>
+                </a:solidFill>
+                <a:latin typeface="微軟正黑體" pitchFamily="34" charset="-120"/>
+                <a:ea typeface="微軟正黑體" pitchFamily="34" charset="-120"/>
+              </a:rPr>
+              <a:t>音環繞不休</a:t>
+            </a:r>
+          </a:p>
+          <a:p>
+            <a:pPr marL="0" indent="0" algn="ctr">
+              <a:buNone/>
+            </a:pPr>
+            <a:r>
+              <a:rPr lang="zh-TW" altLang="en-US" sz="5400" b="1" dirty="0">
+                <a:solidFill>
+                  <a:srgbClr val="000066"/>
+                </a:solidFill>
+                <a:latin typeface="微軟正黑體" pitchFamily="34" charset="-120"/>
+                <a:ea typeface="微軟正黑體" pitchFamily="34" charset="-120"/>
+              </a:rPr>
+              <a:t>喜音 喜音環繞不休</a:t>
+            </a:r>
+          </a:p>
+        </p:txBody>
+      </p:sp>
+    </p:spTree>
+  </p:cSld>
+  <p:clrMapOvr>
+    <a:masterClrMapping/>
+  </p:clrMapOvr>
+  <p:timing>
+    <p:tnLst>
+      <p:par>
+        <p:cTn id="1" dur="indefinite" restart="never" nodeType="tmRoot"/>
+      </p:par>
+    </p:tnLst>
+  </p:timing>
+</p:sld>
+</file>
+
+<file path=ppt/slides/slide5.xml><?xml version="1.0" encoding="utf-8"?>
+<p:sld xmlns:a="http://schemas.openxmlformats.org/drawingml/2006/main" xmlns:r="http://schemas.openxmlformats.org/officeDocument/2006/relationships" xmlns:p="http://schemas.openxmlformats.org/presentationml/2006/main">
+  <p:cSld>
+    <p:spTree>
+      <p:nvGrpSpPr>
+        <p:cNvPr id="1" name=""/>
+        <p:cNvGrpSpPr/>
+        <p:nvPr/>
+      </p:nvGrpSpPr>
+      <p:grpSpPr>
+        <a:xfrm>
+          <a:off x="0" y="0"/>
+          <a:ext cx="0" cy="0"/>
+          <a:chOff x="0" y="0"/>
+          <a:chExt cx="0" cy="0"/>
+        </a:xfrm>
+      </p:grpSpPr>
+      <p:sp>
+        <p:nvSpPr>
+          <p:cNvPr id="4" name="標題 3"/>
+          <p:cNvSpPr>
+            <a:spLocks noGrp="1"/>
+          </p:cNvSpPr>
+          <p:nvPr>
+            <p:ph type="title"/>
+          </p:nvPr>
+        </p:nvSpPr>
+        <p:spPr/>
+        <p:txBody>
+          <a:bodyPr/>
+          <a:lstStyle/>
+          <a:p>
+            <a:r>
+              <a:rPr lang="zh-TW" altLang="en-US" b="1" dirty="0">
+                <a:solidFill>
+                  <a:srgbClr val="000066"/>
+                </a:solidFill>
+                <a:latin typeface="微軟正黑體" pitchFamily="34" charset="-120"/>
+                <a:ea typeface="微軟正黑體" pitchFamily="34" charset="-120"/>
+              </a:rPr>
+              <a:t>樂哉主</a:t>
+            </a:r>
+            <a:r>
+              <a:rPr lang="zh-TW" altLang="en-US" b="1" dirty="0" smtClean="0">
+                <a:solidFill>
+                  <a:srgbClr val="000066"/>
+                </a:solidFill>
+                <a:latin typeface="微軟正黑體" pitchFamily="34" charset="-120"/>
+                <a:ea typeface="微軟正黑體" pitchFamily="34" charset="-120"/>
+              </a:rPr>
+              <a:t>臨 </a:t>
+            </a:r>
+            <a:r>
+              <a:rPr lang="en-US" altLang="zh-TW" b="1" dirty="0" smtClean="0">
+                <a:solidFill>
+                  <a:srgbClr val="000066"/>
+                </a:solidFill>
+                <a:latin typeface="微軟正黑體" pitchFamily="34" charset="-120"/>
+                <a:ea typeface="微軟正黑體" pitchFamily="34" charset="-120"/>
+              </a:rPr>
+              <a:t>3-4</a:t>
+            </a:r>
+            <a:endParaRPr lang="zh-TW" altLang="en-US" b="1" dirty="0">
+              <a:solidFill>
+                <a:srgbClr val="000066"/>
+              </a:solidFill>
+              <a:latin typeface="微軟正黑體" pitchFamily="34" charset="-120"/>
+              <a:ea typeface="微軟正黑體" pitchFamily="34" charset="-120"/>
+            </a:endParaRPr>
+          </a:p>
+        </p:txBody>
+      </p:sp>
+      <p:sp>
+        <p:nvSpPr>
+          <p:cNvPr id="5" name="內容版面配置區 4"/>
+          <p:cNvSpPr>
+            <a:spLocks noGrp="1"/>
+          </p:cNvSpPr>
+          <p:nvPr>
+            <p:ph idx="1"/>
+          </p:nvPr>
+        </p:nvSpPr>
+        <p:spPr>
+          <a:xfrm>
+            <a:off x="0" y="1200150"/>
+            <a:ext cx="9144000" cy="3943350"/>
+          </a:xfrm>
+        </p:spPr>
+        <p:txBody>
+          <a:bodyPr>
+            <a:noAutofit/>
+          </a:bodyPr>
+          <a:lstStyle/>
+          <a:p>
             <a:pPr marL="0" lvl="3" indent="0" algn="ctr">
               <a:buNone/>
             </a:pPr>
@@ -3666,6 +3847,348 @@
                 <a:latin typeface="微軟正黑體" pitchFamily="34" charset="-120"/>
                 <a:ea typeface="微軟正黑體" pitchFamily="34" charset="-120"/>
               </a:rPr>
+              <a:t>罪孽憂愁都當止息</a:t>
+            </a:r>
+          </a:p>
+          <a:p>
+            <a:pPr marL="0" indent="0" algn="ctr">
+              <a:buNone/>
+            </a:pPr>
+            <a:r>
+              <a:rPr lang="zh-TW" altLang="en-US" sz="5400" b="1" dirty="0">
+                <a:solidFill>
+                  <a:srgbClr val="000066"/>
+                </a:solidFill>
+                <a:latin typeface="微軟正黑體" pitchFamily="34" charset="-120"/>
+                <a:ea typeface="微軟正黑體" pitchFamily="34" charset="-120"/>
+              </a:rPr>
+              <a:t>無地再長荊棘</a:t>
+            </a:r>
+          </a:p>
+          <a:p>
+            <a:pPr marL="0" indent="0" algn="ctr">
+              <a:buNone/>
+            </a:pPr>
+            <a:r>
+              <a:rPr lang="zh-TW" altLang="en-US" sz="5400" b="1" dirty="0">
+                <a:solidFill>
+                  <a:srgbClr val="000066"/>
+                </a:solidFill>
+                <a:latin typeface="微軟正黑體" pitchFamily="34" charset="-120"/>
+                <a:ea typeface="微軟正黑體" pitchFamily="34" charset="-120"/>
+              </a:rPr>
+              <a:t>基督未來 咒詛甚</a:t>
+            </a:r>
+            <a:r>
+              <a:rPr lang="zh-TW" altLang="en-US" sz="5400" b="1" dirty="0" smtClean="0">
+                <a:solidFill>
+                  <a:srgbClr val="000066"/>
+                </a:solidFill>
+                <a:latin typeface="微軟正黑體" pitchFamily="34" charset="-120"/>
+                <a:ea typeface="微軟正黑體" pitchFamily="34" charset="-120"/>
+              </a:rPr>
+              <a:t>深</a:t>
+            </a:r>
+            <a:endParaRPr lang="zh-TW" altLang="en-US" sz="5400" b="1" dirty="0">
+              <a:solidFill>
+                <a:srgbClr val="000066"/>
+              </a:solidFill>
+              <a:latin typeface="微軟正黑體" pitchFamily="34" charset="-120"/>
+              <a:ea typeface="微軟正黑體" pitchFamily="34" charset="-120"/>
+            </a:endParaRPr>
+          </a:p>
+        </p:txBody>
+      </p:sp>
+    </p:spTree>
+  </p:cSld>
+  <p:clrMapOvr>
+    <a:masterClrMapping/>
+  </p:clrMapOvr>
+  <p:timing>
+    <p:tnLst>
+      <p:par>
+        <p:cTn id="1" dur="indefinite" restart="never" nodeType="tmRoot"/>
+      </p:par>
+    </p:tnLst>
+  </p:timing>
+</p:sld>
+</file>
+
+<file path=ppt/slides/slide6.xml><?xml version="1.0" encoding="utf-8"?>
+<p:sld xmlns:a="http://schemas.openxmlformats.org/drawingml/2006/main" xmlns:r="http://schemas.openxmlformats.org/officeDocument/2006/relationships" xmlns:p="http://schemas.openxmlformats.org/presentationml/2006/main">
+  <p:cSld>
+    <p:spTree>
+      <p:nvGrpSpPr>
+        <p:cNvPr id="1" name=""/>
+        <p:cNvGrpSpPr/>
+        <p:nvPr/>
+      </p:nvGrpSpPr>
+      <p:grpSpPr>
+        <a:xfrm>
+          <a:off x="0" y="0"/>
+          <a:ext cx="0" cy="0"/>
+          <a:chOff x="0" y="0"/>
+          <a:chExt cx="0" cy="0"/>
+        </a:xfrm>
+      </p:grpSpPr>
+      <p:sp>
+        <p:nvSpPr>
+          <p:cNvPr id="4" name="標題 3"/>
+          <p:cNvSpPr>
+            <a:spLocks noGrp="1"/>
+          </p:cNvSpPr>
+          <p:nvPr>
+            <p:ph type="title"/>
+          </p:nvPr>
+        </p:nvSpPr>
+        <p:spPr/>
+        <p:txBody>
+          <a:bodyPr/>
+          <a:lstStyle/>
+          <a:p>
+            <a:r>
+              <a:rPr lang="zh-TW" altLang="en-US" b="1" dirty="0">
+                <a:solidFill>
+                  <a:srgbClr val="000066"/>
+                </a:solidFill>
+                <a:latin typeface="微軟正黑體" pitchFamily="34" charset="-120"/>
+                <a:ea typeface="微軟正黑體" pitchFamily="34" charset="-120"/>
+              </a:rPr>
+              <a:t>樂哉主</a:t>
+            </a:r>
+            <a:r>
+              <a:rPr lang="zh-TW" altLang="en-US" b="1" dirty="0" smtClean="0">
+                <a:solidFill>
+                  <a:srgbClr val="000066"/>
+                </a:solidFill>
+                <a:latin typeface="微軟正黑體" pitchFamily="34" charset="-120"/>
+                <a:ea typeface="微軟正黑體" pitchFamily="34" charset="-120"/>
+              </a:rPr>
+              <a:t>臨 </a:t>
+            </a:r>
+            <a:r>
+              <a:rPr lang="en-US" altLang="zh-TW" b="1" dirty="0" smtClean="0">
+                <a:solidFill>
+                  <a:srgbClr val="000066"/>
+                </a:solidFill>
+                <a:latin typeface="微軟正黑體" pitchFamily="34" charset="-120"/>
+                <a:ea typeface="微軟正黑體" pitchFamily="34" charset="-120"/>
+              </a:rPr>
+              <a:t>3-4</a:t>
+            </a:r>
+            <a:endParaRPr lang="zh-TW" altLang="en-US" b="1" dirty="0">
+              <a:solidFill>
+                <a:srgbClr val="000066"/>
+              </a:solidFill>
+              <a:latin typeface="微軟正黑體" pitchFamily="34" charset="-120"/>
+              <a:ea typeface="微軟正黑體" pitchFamily="34" charset="-120"/>
+            </a:endParaRPr>
+          </a:p>
+        </p:txBody>
+      </p:sp>
+      <p:sp>
+        <p:nvSpPr>
+          <p:cNvPr id="5" name="內容版面配置區 4"/>
+          <p:cNvSpPr>
+            <a:spLocks noGrp="1"/>
+          </p:cNvSpPr>
+          <p:nvPr>
+            <p:ph idx="1"/>
+          </p:nvPr>
+        </p:nvSpPr>
+        <p:spPr>
+          <a:xfrm>
+            <a:off x="0" y="1200150"/>
+            <a:ext cx="9144000" cy="3943350"/>
+          </a:xfrm>
+        </p:spPr>
+        <p:txBody>
+          <a:bodyPr>
+            <a:noAutofit/>
+          </a:bodyPr>
+          <a:lstStyle/>
+          <a:p>
+            <a:pPr marL="0" indent="0" algn="ctr">
+              <a:buNone/>
+            </a:pPr>
+            <a:r>
+              <a:rPr lang="zh-TW" altLang="en-US" sz="5400" b="1" dirty="0" smtClean="0">
+                <a:solidFill>
+                  <a:srgbClr val="000066"/>
+                </a:solidFill>
+                <a:latin typeface="微軟正黑體" pitchFamily="34" charset="-120"/>
+                <a:ea typeface="微軟正黑體" pitchFamily="34" charset="-120"/>
+              </a:rPr>
+              <a:t>主</a:t>
+            </a:r>
+            <a:r>
+              <a:rPr lang="zh-TW" altLang="en-US" sz="5400" b="1" dirty="0">
+                <a:solidFill>
+                  <a:srgbClr val="000066"/>
+                </a:solidFill>
+                <a:latin typeface="微軟正黑體" pitchFamily="34" charset="-120"/>
+                <a:ea typeface="微軟正黑體" pitchFamily="34" charset="-120"/>
+              </a:rPr>
+              <a:t>臨賜福</a:t>
+            </a:r>
+            <a:r>
+              <a:rPr lang="zh-TW" altLang="en-US" sz="5400" b="1" dirty="0" smtClean="0">
+                <a:solidFill>
+                  <a:srgbClr val="000066"/>
+                </a:solidFill>
+                <a:latin typeface="微軟正黑體" pitchFamily="34" charset="-120"/>
+                <a:ea typeface="微軟正黑體" pitchFamily="34" charset="-120"/>
+              </a:rPr>
+              <a:t>豐盈  主</a:t>
+            </a:r>
+            <a:r>
+              <a:rPr lang="zh-TW" altLang="en-US" sz="5400" b="1" dirty="0">
+                <a:solidFill>
+                  <a:srgbClr val="000066"/>
+                </a:solidFill>
+                <a:latin typeface="微軟正黑體" pitchFamily="34" charset="-120"/>
+                <a:ea typeface="微軟正黑體" pitchFamily="34" charset="-120"/>
+              </a:rPr>
+              <a:t>臨賜福豐盈</a:t>
+            </a:r>
+          </a:p>
+          <a:p>
+            <a:pPr marL="0" indent="0" algn="ctr">
+              <a:buNone/>
+            </a:pPr>
+            <a:r>
+              <a:rPr lang="zh-TW" altLang="en-US" sz="5400" b="1" dirty="0">
+                <a:solidFill>
+                  <a:srgbClr val="000066"/>
+                </a:solidFill>
+                <a:latin typeface="微軟正黑體" pitchFamily="34" charset="-120"/>
+                <a:ea typeface="微軟正黑體" pitchFamily="34" charset="-120"/>
+              </a:rPr>
+              <a:t>主臨 主臨賜福豐盈</a:t>
+            </a:r>
+          </a:p>
+        </p:txBody>
+      </p:sp>
+    </p:spTree>
+  </p:cSld>
+  <p:clrMapOvr>
+    <a:masterClrMapping/>
+  </p:clrMapOvr>
+  <p:timing>
+    <p:tnLst>
+      <p:par>
+        <p:cTn id="1" dur="indefinite" restart="never" nodeType="tmRoot"/>
+      </p:par>
+    </p:tnLst>
+  </p:timing>
+</p:sld>
+</file>
+
+<file path=ppt/slides/slide7.xml><?xml version="1.0" encoding="utf-8"?>
+<p:sld xmlns:a="http://schemas.openxmlformats.org/drawingml/2006/main" xmlns:r="http://schemas.openxmlformats.org/officeDocument/2006/relationships" xmlns:p="http://schemas.openxmlformats.org/presentationml/2006/main">
+  <p:cSld>
+    <p:spTree>
+      <p:nvGrpSpPr>
+        <p:cNvPr id="1" name=""/>
+        <p:cNvGrpSpPr/>
+        <p:nvPr/>
+      </p:nvGrpSpPr>
+      <p:grpSpPr>
+        <a:xfrm>
+          <a:off x="0" y="0"/>
+          <a:ext cx="0" cy="0"/>
+          <a:chOff x="0" y="0"/>
+          <a:chExt cx="0" cy="0"/>
+        </a:xfrm>
+      </p:grpSpPr>
+      <p:sp>
+        <p:nvSpPr>
+          <p:cNvPr id="4" name="標題 3"/>
+          <p:cNvSpPr>
+            <a:spLocks noGrp="1"/>
+          </p:cNvSpPr>
+          <p:nvPr>
+            <p:ph type="title"/>
+          </p:nvPr>
+        </p:nvSpPr>
+        <p:spPr/>
+        <p:txBody>
+          <a:bodyPr/>
+          <a:lstStyle/>
+          <a:p>
+            <a:r>
+              <a:rPr lang="zh-TW" altLang="en-US" b="1" dirty="0">
+                <a:solidFill>
+                  <a:srgbClr val="000066"/>
+                </a:solidFill>
+                <a:latin typeface="微軟正黑體" pitchFamily="34" charset="-120"/>
+                <a:ea typeface="微軟正黑體" pitchFamily="34" charset="-120"/>
+              </a:rPr>
+              <a:t>樂哉主</a:t>
+            </a:r>
+            <a:r>
+              <a:rPr lang="zh-TW" altLang="en-US" b="1" dirty="0" smtClean="0">
+                <a:solidFill>
+                  <a:srgbClr val="000066"/>
+                </a:solidFill>
+                <a:latin typeface="微軟正黑體" pitchFamily="34" charset="-120"/>
+                <a:ea typeface="微軟正黑體" pitchFamily="34" charset="-120"/>
+              </a:rPr>
+              <a:t>臨 </a:t>
+            </a:r>
+            <a:r>
+              <a:rPr lang="en-US" altLang="zh-TW" b="1" dirty="0" smtClean="0">
+                <a:solidFill>
+                  <a:srgbClr val="000066"/>
+                </a:solidFill>
+                <a:latin typeface="微軟正黑體" pitchFamily="34" charset="-120"/>
+                <a:ea typeface="微軟正黑體" pitchFamily="34" charset="-120"/>
+              </a:rPr>
+              <a:t>4-4</a:t>
+            </a:r>
+            <a:endParaRPr lang="zh-TW" altLang="en-US" b="1" dirty="0">
+              <a:solidFill>
+                <a:srgbClr val="000066"/>
+              </a:solidFill>
+              <a:latin typeface="微軟正黑體" pitchFamily="34" charset="-120"/>
+              <a:ea typeface="微軟正黑體" pitchFamily="34" charset="-120"/>
+            </a:endParaRPr>
+          </a:p>
+        </p:txBody>
+      </p:sp>
+      <p:sp>
+        <p:nvSpPr>
+          <p:cNvPr id="5" name="內容版面配置區 4"/>
+          <p:cNvSpPr>
+            <a:spLocks noGrp="1"/>
+          </p:cNvSpPr>
+          <p:nvPr>
+            <p:ph idx="1"/>
+          </p:nvPr>
+        </p:nvSpPr>
+        <p:spPr>
+          <a:xfrm>
+            <a:off x="0" y="1200150"/>
+            <a:ext cx="9144000" cy="3943350"/>
+          </a:xfrm>
+        </p:spPr>
+        <p:txBody>
+          <a:bodyPr>
+            <a:noAutofit/>
+          </a:bodyPr>
+          <a:lstStyle/>
+          <a:p>
+            <a:pPr marL="0" lvl="3" indent="0" algn="ctr">
+              <a:buNone/>
+            </a:pPr>
+            <a:r>
+              <a:rPr lang="zh-TW" altLang="en-US" sz="5400" b="1" dirty="0">
+                <a:solidFill>
+                  <a:srgbClr val="000066"/>
+                </a:solidFill>
+                <a:latin typeface="微軟正黑體" pitchFamily="34" charset="-120"/>
+                <a:ea typeface="微軟正黑體" pitchFamily="34" charset="-120"/>
+              </a:rPr>
               <a:t>救主治世 以真以惠</a:t>
             </a:r>
           </a:p>
@@ -3696,14 +4219,151 @@
                 <a:latin typeface="微軟正黑體" pitchFamily="34" charset="-120"/>
                 <a:ea typeface="微軟正黑體" pitchFamily="34" charset="-120"/>
               </a:rPr>
-              <a:t>主顯公義 何等全備</a:t>
-            </a:r>
-          </a:p>
+              <a:t>主顯公義 何等全</a:t>
+            </a:r>
+            <a:r>
+              <a:rPr lang="zh-TW" altLang="en-US" sz="5400" b="1" dirty="0" smtClean="0">
+                <a:solidFill>
+                  <a:srgbClr val="000066"/>
+                </a:solidFill>
+                <a:latin typeface="微軟正黑體" pitchFamily="34" charset="-120"/>
+                <a:ea typeface="微軟正黑體" pitchFamily="34" charset="-120"/>
+              </a:rPr>
+              <a:t>備</a:t>
+            </a:r>
+            <a:endParaRPr lang="zh-TW" altLang="en-US" sz="5400" b="1" dirty="0">
+              <a:solidFill>
+                <a:srgbClr val="000066"/>
+              </a:solidFill>
+              <a:latin typeface="微軟正黑體" pitchFamily="34" charset="-120"/>
+              <a:ea typeface="微軟正黑體" pitchFamily="34" charset="-120"/>
+            </a:endParaRPr>
+          </a:p>
+        </p:txBody>
+      </p:sp>
+    </p:spTree>
+  </p:cSld>
+  <p:clrMapOvr>
+    <a:masterClrMapping/>
+  </p:clrMapOvr>
+  <p:timing>
+    <p:tnLst>
+      <p:par>
+        <p:cTn id="1" dur="indefinite" restart="never" nodeType="tmRoot"/>
+      </p:par>
+    </p:tnLst>
+  </p:timing>
+</p:sld>
+</file>
+
+<file path=ppt/slides/slide8.xml><?xml version="1.0" encoding="utf-8"?>
+<p:sld xmlns:a="http://schemas.openxmlformats.org/drawingml/2006/main" xmlns:r="http://schemas.openxmlformats.org/officeDocument/2006/relationships" xmlns:p="http://schemas.openxmlformats.org/presentationml/2006/main">
+  <p:cSld>
+    <p:spTree>
+      <p:nvGrpSpPr>
+        <p:cNvPr id="1" name=""/>
+        <p:cNvGrpSpPr/>
+        <p:nvPr/>
+      </p:nvGrpSpPr>
+      <p:grpSpPr>
+        <a:xfrm>
+          <a:off x="0" y="0"/>
+          <a:ext cx="0" cy="0"/>
+          <a:chOff x="0" y="0"/>
+          <a:chExt cx="0" cy="0"/>
+        </a:xfrm>
+      </p:grpSpPr>
+      <p:sp>
+        <p:nvSpPr>
+          <p:cNvPr id="4" name="標題 3"/>
+          <p:cNvSpPr>
+            <a:spLocks noGrp="1"/>
+          </p:cNvSpPr>
+          <p:nvPr>
+            <p:ph type="title"/>
+          </p:nvPr>
+        </p:nvSpPr>
+        <p:spPr/>
+        <p:txBody>
+          <a:bodyPr/>
+          <a:lstStyle/>
+          <a:p>
+            <a:r>
+              <a:rPr lang="zh-TW" altLang="en-US" b="1" dirty="0">
+                <a:solidFill>
+                  <a:srgbClr val="000066"/>
+                </a:solidFill>
+                <a:latin typeface="微軟正黑體" pitchFamily="34" charset="-120"/>
+                <a:ea typeface="微軟正黑體" pitchFamily="34" charset="-120"/>
+              </a:rPr>
+              <a:t>樂哉主</a:t>
+            </a:r>
+            <a:r>
+              <a:rPr lang="zh-TW" altLang="en-US" b="1" dirty="0" smtClean="0">
+                <a:solidFill>
+                  <a:srgbClr val="000066"/>
+                </a:solidFill>
+                <a:latin typeface="微軟正黑體" pitchFamily="34" charset="-120"/>
+                <a:ea typeface="微軟正黑體" pitchFamily="34" charset="-120"/>
+              </a:rPr>
+              <a:t>臨 </a:t>
+            </a:r>
+            <a:r>
+              <a:rPr lang="en-US" altLang="zh-TW" b="1" dirty="0" smtClean="0">
+                <a:solidFill>
+                  <a:srgbClr val="000066"/>
+                </a:solidFill>
+                <a:latin typeface="微軟正黑體" pitchFamily="34" charset="-120"/>
+                <a:ea typeface="微軟正黑體" pitchFamily="34" charset="-120"/>
+              </a:rPr>
+              <a:t>4-4</a:t>
+            </a:r>
+            <a:endParaRPr lang="zh-TW" altLang="en-US" b="1" dirty="0">
+              <a:solidFill>
+                <a:srgbClr val="000066"/>
+              </a:solidFill>
+              <a:latin typeface="微軟正黑體" pitchFamily="34" charset="-120"/>
+              <a:ea typeface="微軟正黑體" pitchFamily="34" charset="-120"/>
+            </a:endParaRPr>
+          </a:p>
+        </p:txBody>
+      </p:sp>
+      <p:sp>
+        <p:nvSpPr>
+          <p:cNvPr id="5" name="內容版面配置區 4"/>
+          <p:cNvSpPr>
+            <a:spLocks noGrp="1"/>
+          </p:cNvSpPr>
+          <p:nvPr>
+            <p:ph idx="1"/>
+          </p:nvPr>
+        </p:nvSpPr>
+        <p:spPr>
+          <a:xfrm>
+            <a:off x="0" y="1200150"/>
+            <a:ext cx="9144000" cy="3943350"/>
+          </a:xfrm>
+        </p:spPr>
+        <p:txBody>
+          <a:bodyPr>
+            <a:noAutofit/>
+          </a:bodyPr>
+          <a:lstStyle/>
           <a:p>
             <a:pPr marL="0" indent="0" algn="ctr">
               <a:buNone/>
             </a:pPr>
             <a:r>
+              <a:rPr lang="zh-TW" altLang="en-US" sz="5400" b="1" smtClean="0">
+                <a:solidFill>
+                  <a:srgbClr val="000066"/>
+                </a:solidFill>
+                <a:latin typeface="微軟正黑體" pitchFamily="34" charset="-120"/>
+                <a:ea typeface="微軟正黑體" pitchFamily="34" charset="-120"/>
+              </a:rPr>
+              <a:t>慈愛</a:t>
+            </a:r>
+            <a:r>
               <a:rPr lang="zh-TW" altLang="en-US" sz="5400" b="1" dirty="0">
                 <a:solidFill>
                   <a:srgbClr val="000066"/>
@@ -3711,7 +4371,7 @@
                 <a:latin typeface="微軟正黑體" pitchFamily="34" charset="-120"/>
                 <a:ea typeface="微軟正黑體" pitchFamily="34" charset="-120"/>
               </a:rPr>
-              <a:t>慈愛何等深</a:t>
+              <a:t>何等深</a:t>
             </a:r>
             <a:r>
               <a:rPr lang="zh-TW" altLang="en-US" sz="5400" b="1" dirty="0" smtClean="0">
